--- a/Poster/In_Lab_Presentation.pptx
+++ b/Poster/In_Lab_Presentation.pptx
@@ -5,14 +5,19 @@
     <p:sldMasterId id="2147483648" r:id="rId1"/>
   </p:sldMasterIdLst>
   <p:notesMasterIdLst>
-    <p:notesMasterId r:id="rId7"/>
+    <p:notesMasterId r:id="rId12"/>
   </p:notesMasterIdLst>
   <p:sldIdLst>
     <p:sldId id="256" r:id="rId2"/>
     <p:sldId id="257" r:id="rId3"/>
-    <p:sldId id="258" r:id="rId4"/>
-    <p:sldId id="260" r:id="rId5"/>
-    <p:sldId id="259" r:id="rId6"/>
+    <p:sldId id="267" r:id="rId4"/>
+    <p:sldId id="269" r:id="rId5"/>
+    <p:sldId id="270" r:id="rId6"/>
+    <p:sldId id="258" r:id="rId7"/>
+    <p:sldId id="260" r:id="rId8"/>
+    <p:sldId id="259" r:id="rId9"/>
+    <p:sldId id="261" r:id="rId10"/>
+    <p:sldId id="262" r:id="rId11"/>
   </p:sldIdLst>
   <p:sldSz cx="12192000" cy="6858000"/>
   <p:notesSz cx="6858000" cy="9144000"/>
@@ -111,6 +116,11 @@
       </a:defRPr>
     </a:lvl9pPr>
   </p:defaultTextStyle>
+  <p:extLst>
+    <p:ext uri="{EFAFB233-063F-42B5-8137-9DF3F51BA10A}">
+      <p15:sldGuideLst xmlns:p15="http://schemas.microsoft.com/office/powerpoint/2012/main"/>
+    </p:ext>
+  </p:extLst>
 </p:presentation>
 </file>
 
@@ -559,6 +569,90 @@
     <p:extLst>
       <p:ext uri="{BB962C8B-B14F-4D97-AF65-F5344CB8AC3E}">
         <p14:creationId xmlns:p14="http://schemas.microsoft.com/office/powerpoint/2010/main" val="71644580"/>
+      </p:ext>
+    </p:extLst>
+  </p:cSld>
+  <p:clrMapOvr>
+    <a:masterClrMapping/>
+  </p:clrMapOvr>
+</p:notes>
+</file>
+
+<file path=ppt/notesSlides/notesSlide2.xml><?xml version="1.0" encoding="utf-8"?>
+<p:notes xmlns:a="http://schemas.openxmlformats.org/drawingml/2006/main" xmlns:r="http://schemas.openxmlformats.org/officeDocument/2006/relationships" xmlns:p="http://schemas.openxmlformats.org/presentationml/2006/main">
+  <p:cSld>
+    <p:spTree>
+      <p:nvGrpSpPr>
+        <p:cNvPr id="1" name=""/>
+        <p:cNvGrpSpPr/>
+        <p:nvPr/>
+      </p:nvGrpSpPr>
+      <p:grpSpPr>
+        <a:xfrm>
+          <a:off x="0" y="0"/>
+          <a:ext cx="0" cy="0"/>
+          <a:chOff x="0" y="0"/>
+          <a:chExt cx="0" cy="0"/>
+        </a:xfrm>
+      </p:grpSpPr>
+      <p:sp>
+        <p:nvSpPr>
+          <p:cNvPr id="2" name="Slide Image Placeholder 1"/>
+          <p:cNvSpPr>
+            <a:spLocks noGrp="1" noRot="1" noChangeAspect="1"/>
+          </p:cNvSpPr>
+          <p:nvPr>
+            <p:ph type="sldImg"/>
+          </p:nvPr>
+        </p:nvSpPr>
+        <p:spPr/>
+      </p:sp>
+      <p:sp>
+        <p:nvSpPr>
+          <p:cNvPr id="3" name="Notes Placeholder 2"/>
+          <p:cNvSpPr>
+            <a:spLocks noGrp="1"/>
+          </p:cNvSpPr>
+          <p:nvPr>
+            <p:ph type="body" idx="1"/>
+          </p:nvPr>
+        </p:nvSpPr>
+        <p:spPr/>
+        <p:txBody>
+          <a:bodyPr/>
+          <a:lstStyle/>
+          <a:p>
+            <a:endParaRPr lang="en-US" dirty="0"/>
+          </a:p>
+        </p:txBody>
+      </p:sp>
+      <p:sp>
+        <p:nvSpPr>
+          <p:cNvPr id="4" name="Slide Number Placeholder 3"/>
+          <p:cNvSpPr>
+            <a:spLocks noGrp="1"/>
+          </p:cNvSpPr>
+          <p:nvPr>
+            <p:ph type="sldNum" sz="quarter" idx="5"/>
+          </p:nvPr>
+        </p:nvSpPr>
+        <p:spPr/>
+        <p:txBody>
+          <a:bodyPr/>
+          <a:lstStyle/>
+          <a:p>
+            <a:fld id="{4F03AD9F-B007-4459-8303-A0ADEA8D5F09}" type="slidenum">
+              <a:rPr lang="en-US" smtClean="0"/>
+              <a:t>10</a:t>
+            </a:fld>
+            <a:endParaRPr lang="en-US"/>
+          </a:p>
+        </p:txBody>
+      </p:sp>
+    </p:spTree>
+    <p:extLst>
+      <p:ext uri="{BB962C8B-B14F-4D97-AF65-F5344CB8AC3E}">
+        <p14:creationId xmlns:p14="http://schemas.microsoft.com/office/powerpoint/2010/main" val="2744195803"/>
       </p:ext>
     </p:extLst>
   </p:cSld>
@@ -3867,6 +3961,94 @@
 </p:sld>
 </file>
 
+<file path=ppt/slides/slide10.xml><?xml version="1.0" encoding="utf-8"?>
+<p:sld xmlns:a="http://schemas.openxmlformats.org/drawingml/2006/main" xmlns:r="http://schemas.openxmlformats.org/officeDocument/2006/relationships" xmlns:p="http://schemas.openxmlformats.org/presentationml/2006/main">
+  <p:cSld>
+    <p:spTree>
+      <p:nvGrpSpPr>
+        <p:cNvPr id="1" name=""/>
+        <p:cNvGrpSpPr/>
+        <p:nvPr/>
+      </p:nvGrpSpPr>
+      <p:grpSpPr>
+        <a:xfrm>
+          <a:off x="0" y="0"/>
+          <a:ext cx="0" cy="0"/>
+          <a:chOff x="0" y="0"/>
+          <a:chExt cx="0" cy="0"/>
+        </a:xfrm>
+      </p:grpSpPr>
+      <p:sp>
+        <p:nvSpPr>
+          <p:cNvPr id="2" name="Title 1">
+            <a:extLst>
+              <a:ext uri="{FF2B5EF4-FFF2-40B4-BE49-F238E27FC236}">
+                <a16:creationId xmlns:a16="http://schemas.microsoft.com/office/drawing/2014/main" id="{70E8C946-1718-FCFD-AC16-3CD63DE054BC}"/>
+              </a:ext>
+            </a:extLst>
+          </p:cNvPr>
+          <p:cNvSpPr>
+            <a:spLocks noGrp="1"/>
+          </p:cNvSpPr>
+          <p:nvPr>
+            <p:ph type="title"/>
+          </p:nvPr>
+        </p:nvSpPr>
+        <p:spPr/>
+        <p:txBody>
+          <a:bodyPr/>
+          <a:lstStyle/>
+          <a:p>
+            <a:r>
+              <a:rPr lang="en-US" dirty="0"/>
+              <a:t>Enrichment Selection</a:t>
+            </a:r>
+          </a:p>
+        </p:txBody>
+      </p:sp>
+      <p:pic>
+        <p:nvPicPr>
+          <p:cNvPr id="5" name="Picture 4">
+            <a:extLst>
+              <a:ext uri="{FF2B5EF4-FFF2-40B4-BE49-F238E27FC236}">
+                <a16:creationId xmlns:a16="http://schemas.microsoft.com/office/drawing/2014/main" id="{56F395F4-03B5-EA47-03AC-51CFCB58932B}"/>
+              </a:ext>
+            </a:extLst>
+          </p:cNvPr>
+          <p:cNvPicPr>
+            <a:picLocks noChangeAspect="1"/>
+          </p:cNvPicPr>
+          <p:nvPr/>
+        </p:nvPicPr>
+        <p:blipFill>
+          <a:blip r:embed="rId3"/>
+          <a:stretch>
+            <a:fillRect/>
+          </a:stretch>
+        </p:blipFill>
+        <p:spPr>
+          <a:xfrm>
+            <a:off x="1211042" y="1277956"/>
+            <a:ext cx="9321034" cy="5475383"/>
+          </a:xfrm>
+          <a:prstGeom prst="rect">
+            <a:avLst/>
+          </a:prstGeom>
+        </p:spPr>
+      </p:pic>
+    </p:spTree>
+    <p:extLst>
+      <p:ext uri="{BB962C8B-B14F-4D97-AF65-F5344CB8AC3E}">
+        <p14:creationId xmlns:p14="http://schemas.microsoft.com/office/powerpoint/2010/main" val="3629058184"/>
+      </p:ext>
+    </p:extLst>
+  </p:cSld>
+  <p:clrMapOvr>
+    <a:masterClrMapping/>
+  </p:clrMapOvr>
+</p:sld>
+</file>
+
 <file path=ppt/slides/slide2.xml><?xml version="1.0" encoding="utf-8"?>
 <p:sld xmlns:a="http://schemas.openxmlformats.org/drawingml/2006/main" xmlns:r="http://schemas.openxmlformats.org/officeDocument/2006/relationships" xmlns:p="http://schemas.openxmlformats.org/presentationml/2006/main">
   <p:cSld>
@@ -3936,7 +4118,7 @@
         </p:spPr>
         <p:txBody>
           <a:bodyPr>
-            <a:normAutofit fontScale="70000" lnSpcReduction="20000"/>
+            <a:normAutofit/>
           </a:bodyPr>
           <a:lstStyle/>
           <a:p>
@@ -3995,18 +4177,6 @@
             <a:pPr marL="0" indent="0">
               <a:buNone/>
             </a:pPr>
-            <a:r>
-              <a:rPr lang="en-US" b="0" i="0" dirty="0">
-                <a:effectLst/>
-                <a:latin typeface="Arial" panose="020B0604020202020204" pitchFamily="34" charset="0"/>
-              </a:rPr>
-              <a:t>These studies success in recent plant research -&gt; uncovering evolution and diversity of different plant species &amp; identifying deleterious mutations to facilitate breeding . </a:t>
-            </a:r>
-          </a:p>
-          <a:p>
-            <a:pPr marL="0" indent="0">
-              <a:buNone/>
-            </a:pPr>
             <a:endParaRPr lang="en-US" dirty="0">
               <a:latin typeface="Arial" panose="020B0604020202020204" pitchFamily="34" charset="0"/>
             </a:endParaRPr>
@@ -4048,34 +4218,9 @@
             <a:pPr marL="0" indent="0">
               <a:buNone/>
             </a:pPr>
-            <a:r>
-              <a:rPr lang="en-US" b="0" i="0" dirty="0">
-                <a:effectLst/>
-                <a:latin typeface="Arial" panose="020B0604020202020204" pitchFamily="34" charset="0"/>
-              </a:rPr>
-              <a:t>Previous studies have shown patterns in cucumber domestication, highlighted key genes associated with important agronomic traits and the domestication process, providing valuable information for future breeding. </a:t>
-            </a:r>
-          </a:p>
-          <a:p>
-            <a:pPr marL="0" indent="0">
-              <a:buNone/>
-            </a:pPr>
             <a:endParaRPr lang="en-US" dirty="0">
               <a:latin typeface="Arial" panose="020B0604020202020204" pitchFamily="34" charset="0"/>
             </a:endParaRPr>
-          </a:p>
-          <a:p>
-            <a:pPr marL="0" indent="0">
-              <a:buNone/>
-            </a:pPr>
-            <a:r>
-              <a:rPr lang="en-US" b="0" i="0" dirty="0">
-                <a:effectLst/>
-                <a:latin typeface="Arial" panose="020B0604020202020204" pitchFamily="34" charset="0"/>
-              </a:rPr>
-              <a:t>To capture the entire genomic diversity for future biological research, it is needed to construct a complete gene-based pan-genome from diverse cucumber accessions.</a:t>
-            </a:r>
-            <a:endParaRPr lang="en-US" dirty="0"/>
           </a:p>
         </p:txBody>
       </p:sp>
@@ -4114,6 +4259,283 @@
           <p:cNvPr id="2" name="Title 1">
             <a:extLst>
               <a:ext uri="{FF2B5EF4-FFF2-40B4-BE49-F238E27FC236}">
+                <a16:creationId xmlns:a16="http://schemas.microsoft.com/office/drawing/2014/main" id="{6D508B30-9D80-90FD-AAC4-52006C6CCDE8}"/>
+              </a:ext>
+            </a:extLst>
+          </p:cNvPr>
+          <p:cNvSpPr>
+            <a:spLocks noGrp="1"/>
+          </p:cNvSpPr>
+          <p:nvPr>
+            <p:ph type="title"/>
+          </p:nvPr>
+        </p:nvSpPr>
+        <p:spPr/>
+        <p:txBody>
+          <a:bodyPr/>
+          <a:lstStyle/>
+          <a:p>
+            <a:r>
+              <a:rPr lang="en-US" dirty="0"/>
+              <a:t>Background</a:t>
+            </a:r>
+          </a:p>
+        </p:txBody>
+      </p:sp>
+      <p:sp>
+        <p:nvSpPr>
+          <p:cNvPr id="3" name="Content Placeholder 2">
+            <a:extLst>
+              <a:ext uri="{FF2B5EF4-FFF2-40B4-BE49-F238E27FC236}">
+                <a16:creationId xmlns:a16="http://schemas.microsoft.com/office/drawing/2014/main" id="{4D2C6B9C-A1ED-F02E-BE2C-DEEFD68A6A5B}"/>
+              </a:ext>
+            </a:extLst>
+          </p:cNvPr>
+          <p:cNvSpPr>
+            <a:spLocks noGrp="1"/>
+          </p:cNvSpPr>
+          <p:nvPr>
+            <p:ph idx="1"/>
+          </p:nvPr>
+        </p:nvSpPr>
+        <p:spPr/>
+        <p:txBody>
+          <a:bodyPr/>
+          <a:lstStyle/>
+          <a:p>
+            <a:r>
+              <a:rPr lang="en-US" b="0" i="0" dirty="0">
+                <a:effectLst/>
+                <a:latin typeface="Arial" panose="020B0604020202020204" pitchFamily="34" charset="0"/>
+              </a:rPr>
+              <a:t>These studies success in recent plant research -&gt; uncovering evolution and diversity of different plant species &amp; identifying deleterious mutations to facilitate breeding . </a:t>
+            </a:r>
+          </a:p>
+          <a:p>
+            <a:endParaRPr lang="en-US" dirty="0"/>
+          </a:p>
+        </p:txBody>
+      </p:sp>
+    </p:spTree>
+    <p:extLst>
+      <p:ext uri="{BB962C8B-B14F-4D97-AF65-F5344CB8AC3E}">
+        <p14:creationId xmlns:p14="http://schemas.microsoft.com/office/powerpoint/2010/main" val="2876492121"/>
+      </p:ext>
+    </p:extLst>
+  </p:cSld>
+  <p:clrMapOvr>
+    <a:masterClrMapping/>
+  </p:clrMapOvr>
+</p:sld>
+</file>
+
+<file path=ppt/slides/slide4.xml><?xml version="1.0" encoding="utf-8"?>
+<p:sld xmlns:a="http://schemas.openxmlformats.org/drawingml/2006/main" xmlns:r="http://schemas.openxmlformats.org/officeDocument/2006/relationships" xmlns:p="http://schemas.openxmlformats.org/presentationml/2006/main">
+  <p:cSld>
+    <p:spTree>
+      <p:nvGrpSpPr>
+        <p:cNvPr id="1" name=""/>
+        <p:cNvGrpSpPr/>
+        <p:nvPr/>
+      </p:nvGrpSpPr>
+      <p:grpSpPr>
+        <a:xfrm>
+          <a:off x="0" y="0"/>
+          <a:ext cx="0" cy="0"/>
+          <a:chOff x="0" y="0"/>
+          <a:chExt cx="0" cy="0"/>
+        </a:xfrm>
+      </p:grpSpPr>
+      <p:sp>
+        <p:nvSpPr>
+          <p:cNvPr id="2" name="Title 1">
+            <a:extLst>
+              <a:ext uri="{FF2B5EF4-FFF2-40B4-BE49-F238E27FC236}">
+                <a16:creationId xmlns:a16="http://schemas.microsoft.com/office/drawing/2014/main" id="{6D508B30-9D80-90FD-AAC4-52006C6CCDE8}"/>
+              </a:ext>
+            </a:extLst>
+          </p:cNvPr>
+          <p:cNvSpPr>
+            <a:spLocks noGrp="1"/>
+          </p:cNvSpPr>
+          <p:nvPr>
+            <p:ph type="title"/>
+          </p:nvPr>
+        </p:nvSpPr>
+        <p:spPr/>
+        <p:txBody>
+          <a:bodyPr/>
+          <a:lstStyle/>
+          <a:p>
+            <a:r>
+              <a:rPr lang="en-US" dirty="0"/>
+              <a:t>Background</a:t>
+            </a:r>
+          </a:p>
+        </p:txBody>
+      </p:sp>
+      <p:sp>
+        <p:nvSpPr>
+          <p:cNvPr id="3" name="Content Placeholder 2">
+            <a:extLst>
+              <a:ext uri="{FF2B5EF4-FFF2-40B4-BE49-F238E27FC236}">
+                <a16:creationId xmlns:a16="http://schemas.microsoft.com/office/drawing/2014/main" id="{4D2C6B9C-A1ED-F02E-BE2C-DEEFD68A6A5B}"/>
+              </a:ext>
+            </a:extLst>
+          </p:cNvPr>
+          <p:cNvSpPr>
+            <a:spLocks noGrp="1"/>
+          </p:cNvSpPr>
+          <p:nvPr>
+            <p:ph idx="1"/>
+          </p:nvPr>
+        </p:nvSpPr>
+        <p:spPr/>
+        <p:txBody>
+          <a:bodyPr/>
+          <a:lstStyle/>
+          <a:p>
+            <a:pPr marL="0" indent="0">
+              <a:buNone/>
+            </a:pPr>
+            <a:r>
+              <a:rPr lang="en-US" b="0" i="0" dirty="0">
+                <a:effectLst/>
+                <a:latin typeface="Arial" panose="020B0604020202020204" pitchFamily="34" charset="0"/>
+              </a:rPr>
+              <a:t>Previous studies have shown patterns in cucumber domestication, highlighted key genes associated with important agronomic traits and the domestication process, providing valuable information for future breeding. </a:t>
+            </a:r>
+          </a:p>
+        </p:txBody>
+      </p:sp>
+    </p:spTree>
+    <p:extLst>
+      <p:ext uri="{BB962C8B-B14F-4D97-AF65-F5344CB8AC3E}">
+        <p14:creationId xmlns:p14="http://schemas.microsoft.com/office/powerpoint/2010/main" val="2644350410"/>
+      </p:ext>
+    </p:extLst>
+  </p:cSld>
+  <p:clrMapOvr>
+    <a:masterClrMapping/>
+  </p:clrMapOvr>
+</p:sld>
+</file>
+
+<file path=ppt/slides/slide5.xml><?xml version="1.0" encoding="utf-8"?>
+<p:sld xmlns:a="http://schemas.openxmlformats.org/drawingml/2006/main" xmlns:r="http://schemas.openxmlformats.org/officeDocument/2006/relationships" xmlns:p="http://schemas.openxmlformats.org/presentationml/2006/main">
+  <p:cSld>
+    <p:spTree>
+      <p:nvGrpSpPr>
+        <p:cNvPr id="1" name=""/>
+        <p:cNvGrpSpPr/>
+        <p:nvPr/>
+      </p:nvGrpSpPr>
+      <p:grpSpPr>
+        <a:xfrm>
+          <a:off x="0" y="0"/>
+          <a:ext cx="0" cy="0"/>
+          <a:chOff x="0" y="0"/>
+          <a:chExt cx="0" cy="0"/>
+        </a:xfrm>
+      </p:grpSpPr>
+      <p:sp>
+        <p:nvSpPr>
+          <p:cNvPr id="2" name="Title 1">
+            <a:extLst>
+              <a:ext uri="{FF2B5EF4-FFF2-40B4-BE49-F238E27FC236}">
+                <a16:creationId xmlns:a16="http://schemas.microsoft.com/office/drawing/2014/main" id="{6D508B30-9D80-90FD-AAC4-52006C6CCDE8}"/>
+              </a:ext>
+            </a:extLst>
+          </p:cNvPr>
+          <p:cNvSpPr>
+            <a:spLocks noGrp="1"/>
+          </p:cNvSpPr>
+          <p:nvPr>
+            <p:ph type="title"/>
+          </p:nvPr>
+        </p:nvSpPr>
+        <p:spPr/>
+        <p:txBody>
+          <a:bodyPr/>
+          <a:lstStyle/>
+          <a:p>
+            <a:r>
+              <a:rPr lang="en-US" dirty="0"/>
+              <a:t>Background</a:t>
+            </a:r>
+          </a:p>
+        </p:txBody>
+      </p:sp>
+      <p:sp>
+        <p:nvSpPr>
+          <p:cNvPr id="3" name="Content Placeholder 2">
+            <a:extLst>
+              <a:ext uri="{FF2B5EF4-FFF2-40B4-BE49-F238E27FC236}">
+                <a16:creationId xmlns:a16="http://schemas.microsoft.com/office/drawing/2014/main" id="{4D2C6B9C-A1ED-F02E-BE2C-DEEFD68A6A5B}"/>
+              </a:ext>
+            </a:extLst>
+          </p:cNvPr>
+          <p:cNvSpPr>
+            <a:spLocks noGrp="1"/>
+          </p:cNvSpPr>
+          <p:nvPr>
+            <p:ph idx="1"/>
+          </p:nvPr>
+        </p:nvSpPr>
+        <p:spPr/>
+        <p:txBody>
+          <a:bodyPr/>
+          <a:lstStyle/>
+          <a:p>
+            <a:pPr marL="0" indent="0">
+              <a:buNone/>
+            </a:pPr>
+            <a:r>
+              <a:rPr lang="en-US" b="0" i="0" dirty="0">
+                <a:effectLst/>
+                <a:latin typeface="Arial" panose="020B0604020202020204" pitchFamily="34" charset="0"/>
+              </a:rPr>
+              <a:t>To capture the entire genomic diversity for future biological research, it is needed to construct a complete gene-based pan-genome from diverse cucumber accessions.</a:t>
+            </a:r>
+            <a:endParaRPr lang="en-US" dirty="0"/>
+          </a:p>
+        </p:txBody>
+      </p:sp>
+    </p:spTree>
+    <p:extLst>
+      <p:ext uri="{BB962C8B-B14F-4D97-AF65-F5344CB8AC3E}">
+        <p14:creationId xmlns:p14="http://schemas.microsoft.com/office/powerpoint/2010/main" val="3494480445"/>
+      </p:ext>
+    </p:extLst>
+  </p:cSld>
+  <p:clrMapOvr>
+    <a:masterClrMapping/>
+  </p:clrMapOvr>
+</p:sld>
+</file>
+
+<file path=ppt/slides/slide6.xml><?xml version="1.0" encoding="utf-8"?>
+<p:sld xmlns:a="http://schemas.openxmlformats.org/drawingml/2006/main" xmlns:r="http://schemas.openxmlformats.org/officeDocument/2006/relationships" xmlns:p="http://schemas.openxmlformats.org/presentationml/2006/main">
+  <p:cSld>
+    <p:spTree>
+      <p:nvGrpSpPr>
+        <p:cNvPr id="1" name=""/>
+        <p:cNvGrpSpPr/>
+        <p:nvPr/>
+      </p:nvGrpSpPr>
+      <p:grpSpPr>
+        <a:xfrm>
+          <a:off x="0" y="0"/>
+          <a:ext cx="0" cy="0"/>
+          <a:chOff x="0" y="0"/>
+          <a:chExt cx="0" cy="0"/>
+        </a:xfrm>
+      </p:grpSpPr>
+      <p:sp>
+        <p:nvSpPr>
+          <p:cNvPr id="2" name="Title 1">
+            <a:extLst>
+              <a:ext uri="{FF2B5EF4-FFF2-40B4-BE49-F238E27FC236}">
                 <a16:creationId xmlns:a16="http://schemas.microsoft.com/office/drawing/2014/main" id="{6A33E030-660D-FDE4-08B5-F8CB0E5CAE81}"/>
               </a:ext>
             </a:extLst>
@@ -4630,7 +5052,7 @@
 </p:sld>
 </file>
 
-<file path=ppt/slides/slide4.xml><?xml version="1.0" encoding="utf-8"?>
+<file path=ppt/slides/slide7.xml><?xml version="1.0" encoding="utf-8"?>
 <p:sld xmlns:a="http://schemas.openxmlformats.org/drawingml/2006/main" xmlns:r="http://schemas.openxmlformats.org/officeDocument/2006/relationships" xmlns:p="http://schemas.openxmlformats.org/presentationml/2006/main">
   <p:cSld>
     <p:spTree>
@@ -4737,7 +5159,7 @@
 </p:sld>
 </file>
 
-<file path=ppt/slides/slide5.xml><?xml version="1.0" encoding="utf-8"?>
+<file path=ppt/slides/slide8.xml><?xml version="1.0" encoding="utf-8"?>
 <p:sld xmlns:a="http://schemas.openxmlformats.org/drawingml/2006/main" xmlns:r="http://schemas.openxmlformats.org/officeDocument/2006/relationships" xmlns:p="http://schemas.openxmlformats.org/presentationml/2006/main">
   <p:cSld>
     <p:spTree>
@@ -4775,39 +5197,134 @@
           <a:bodyPr/>
           <a:lstStyle/>
           <a:p>
-            <a:endParaRPr lang="en-US"/>
-          </a:p>
-        </p:txBody>
-      </p:sp>
-      <p:sp>
-        <p:nvSpPr>
-          <p:cNvPr id="3" name="Content Placeholder 2">
-            <a:extLst>
-              <a:ext uri="{FF2B5EF4-FFF2-40B4-BE49-F238E27FC236}">
-                <a16:creationId xmlns:a16="http://schemas.microsoft.com/office/drawing/2014/main" id="{8F5F8447-10E1-10F5-27BE-D4A054FFD523}"/>
-              </a:ext>
-            </a:extLst>
-          </p:cNvPr>
-          <p:cNvSpPr>
-            <a:spLocks noGrp="1"/>
-          </p:cNvSpPr>
-          <p:nvPr>
-            <p:ph idx="1"/>
-          </p:nvPr>
-        </p:nvSpPr>
-        <p:spPr/>
-        <p:txBody>
-          <a:bodyPr/>
-          <a:lstStyle/>
-          <a:p>
-            <a:endParaRPr lang="en-US"/>
-          </a:p>
-        </p:txBody>
-      </p:sp>
+            <a:r>
+              <a:rPr lang="en-US" dirty="0"/>
+              <a:t>Original Data</a:t>
+            </a:r>
+          </a:p>
+        </p:txBody>
+      </p:sp>
+      <p:pic>
+        <p:nvPicPr>
+          <p:cNvPr id="5" name="Picture 4">
+            <a:extLst>
+              <a:ext uri="{FF2B5EF4-FFF2-40B4-BE49-F238E27FC236}">
+                <a16:creationId xmlns:a16="http://schemas.microsoft.com/office/drawing/2014/main" id="{53816A37-45B7-0EFF-5095-B5A7553AB6BC}"/>
+              </a:ext>
+            </a:extLst>
+          </p:cNvPr>
+          <p:cNvPicPr>
+            <a:picLocks noChangeAspect="1"/>
+          </p:cNvPicPr>
+          <p:nvPr/>
+        </p:nvPicPr>
+        <p:blipFill>
+          <a:blip r:embed="rId2"/>
+          <a:stretch>
+            <a:fillRect/>
+          </a:stretch>
+        </p:blipFill>
+        <p:spPr>
+          <a:xfrm>
+            <a:off x="0" y="1513323"/>
+            <a:ext cx="6083131" cy="3236443"/>
+          </a:xfrm>
+          <a:prstGeom prst="rect">
+            <a:avLst/>
+          </a:prstGeom>
+        </p:spPr>
+      </p:pic>
     </p:spTree>
     <p:extLst>
       <p:ext uri="{BB962C8B-B14F-4D97-AF65-F5344CB8AC3E}">
         <p14:creationId xmlns:p14="http://schemas.microsoft.com/office/powerpoint/2010/main" val="1089265332"/>
+      </p:ext>
+    </p:extLst>
+  </p:cSld>
+  <p:clrMapOvr>
+    <a:masterClrMapping/>
+  </p:clrMapOvr>
+</p:sld>
+</file>
+
+<file path=ppt/slides/slide9.xml><?xml version="1.0" encoding="utf-8"?>
+<p:sld xmlns:a="http://schemas.openxmlformats.org/drawingml/2006/main" xmlns:r="http://schemas.openxmlformats.org/officeDocument/2006/relationships" xmlns:p="http://schemas.openxmlformats.org/presentationml/2006/main">
+  <p:cSld>
+    <p:spTree>
+      <p:nvGrpSpPr>
+        <p:cNvPr id="1" name=""/>
+        <p:cNvGrpSpPr/>
+        <p:nvPr/>
+      </p:nvGrpSpPr>
+      <p:grpSpPr>
+        <a:xfrm>
+          <a:off x="0" y="0"/>
+          <a:ext cx="0" cy="0"/>
+          <a:chOff x="0" y="0"/>
+          <a:chExt cx="0" cy="0"/>
+        </a:xfrm>
+      </p:grpSpPr>
+      <p:sp>
+        <p:nvSpPr>
+          <p:cNvPr id="2" name="Title 1">
+            <a:extLst>
+              <a:ext uri="{FF2B5EF4-FFF2-40B4-BE49-F238E27FC236}">
+                <a16:creationId xmlns:a16="http://schemas.microsoft.com/office/drawing/2014/main" id="{70E8C946-1718-FCFD-AC16-3CD63DE054BC}"/>
+              </a:ext>
+            </a:extLst>
+          </p:cNvPr>
+          <p:cNvSpPr>
+            <a:spLocks noGrp="1"/>
+          </p:cNvSpPr>
+          <p:nvPr>
+            <p:ph type="title"/>
+          </p:nvPr>
+        </p:nvSpPr>
+        <p:spPr/>
+        <p:txBody>
+          <a:bodyPr/>
+          <a:lstStyle/>
+          <a:p>
+            <a:r>
+              <a:rPr lang="en-US" dirty="0"/>
+              <a:t>PAV Analysis</a:t>
+            </a:r>
+          </a:p>
+        </p:txBody>
+      </p:sp>
+      <p:pic>
+        <p:nvPicPr>
+          <p:cNvPr id="5" name="Picture 4">
+            <a:extLst>
+              <a:ext uri="{FF2B5EF4-FFF2-40B4-BE49-F238E27FC236}">
+                <a16:creationId xmlns:a16="http://schemas.microsoft.com/office/drawing/2014/main" id="{080F204E-AD2D-965C-71FA-60AAB77343FC}"/>
+              </a:ext>
+            </a:extLst>
+          </p:cNvPr>
+          <p:cNvPicPr>
+            <a:picLocks noChangeAspect="1"/>
+          </p:cNvPicPr>
+          <p:nvPr/>
+        </p:nvPicPr>
+        <p:blipFill rotWithShape="1">
+          <a:blip r:embed="rId2"/>
+          <a:srcRect l="671" t="1840" b="1291"/>
+          <a:stretch/>
+        </p:blipFill>
+        <p:spPr>
+          <a:xfrm>
+            <a:off x="1476259" y="1366091"/>
+            <a:ext cx="7815983" cy="5370723"/>
+          </a:xfrm>
+          <a:prstGeom prst="rect">
+            <a:avLst/>
+          </a:prstGeom>
+        </p:spPr>
+      </p:pic>
+    </p:spTree>
+    <p:extLst>
+      <p:ext uri="{BB962C8B-B14F-4D97-AF65-F5344CB8AC3E}">
+        <p14:creationId xmlns:p14="http://schemas.microsoft.com/office/powerpoint/2010/main" val="1121521395"/>
       </p:ext>
     </p:extLst>
   </p:cSld>

--- a/Poster/In_Lab_Presentation.pptx
+++ b/Poster/In_Lab_Presentation.pptx
@@ -5,7 +5,7 @@
     <p:sldMasterId id="2147483648" r:id="rId1"/>
   </p:sldMasterIdLst>
   <p:notesMasterIdLst>
-    <p:notesMasterId r:id="rId12"/>
+    <p:notesMasterId r:id="rId13"/>
   </p:notesMasterIdLst>
   <p:sldIdLst>
     <p:sldId id="256" r:id="rId2"/>
@@ -17,7 +17,8 @@
     <p:sldId id="260" r:id="rId8"/>
     <p:sldId id="259" r:id="rId9"/>
     <p:sldId id="261" r:id="rId10"/>
-    <p:sldId id="262" r:id="rId11"/>
+    <p:sldId id="271" r:id="rId11"/>
+    <p:sldId id="262" r:id="rId12"/>
   </p:sldIdLst>
   <p:sldSz cx="12192000" cy="6858000"/>
   <p:notesSz cx="6858000" cy="9144000"/>
@@ -643,7 +644,7 @@
           <a:p>
             <a:fld id="{4F03AD9F-B007-4459-8303-A0ADEA8D5F09}" type="slidenum">
               <a:rPr lang="en-US" smtClean="0"/>
-              <a:t>10</a:t>
+              <a:t>11</a:t>
             </a:fld>
             <a:endParaRPr lang="en-US"/>
           </a:p>
@@ -3962,6 +3963,86 @@
 </file>
 
 <file path=ppt/slides/slide10.xml><?xml version="1.0" encoding="utf-8"?>
+<p:sld xmlns:a="http://schemas.openxmlformats.org/drawingml/2006/main" xmlns:r="http://schemas.openxmlformats.org/officeDocument/2006/relationships" xmlns:p="http://schemas.openxmlformats.org/presentationml/2006/main">
+  <p:cSld>
+    <p:spTree>
+      <p:nvGrpSpPr>
+        <p:cNvPr id="1" name=""/>
+        <p:cNvGrpSpPr/>
+        <p:nvPr/>
+      </p:nvGrpSpPr>
+      <p:grpSpPr>
+        <a:xfrm>
+          <a:off x="0" y="0"/>
+          <a:ext cx="0" cy="0"/>
+          <a:chOff x="0" y="0"/>
+          <a:chExt cx="0" cy="0"/>
+        </a:xfrm>
+      </p:grpSpPr>
+      <p:sp>
+        <p:nvSpPr>
+          <p:cNvPr id="2" name="Title 1">
+            <a:extLst>
+              <a:ext uri="{FF2B5EF4-FFF2-40B4-BE49-F238E27FC236}">
+                <a16:creationId xmlns:a16="http://schemas.microsoft.com/office/drawing/2014/main" id="{091CBB57-9244-6F1D-F1C6-D004A20BA300}"/>
+              </a:ext>
+            </a:extLst>
+          </p:cNvPr>
+          <p:cNvSpPr>
+            <a:spLocks noGrp="1"/>
+          </p:cNvSpPr>
+          <p:nvPr>
+            <p:ph type="ctrTitle"/>
+          </p:nvPr>
+        </p:nvSpPr>
+        <p:spPr/>
+        <p:txBody>
+          <a:bodyPr/>
+          <a:lstStyle/>
+          <a:p>
+            <a:endParaRPr lang="en-US"/>
+          </a:p>
+        </p:txBody>
+      </p:sp>
+      <p:sp>
+        <p:nvSpPr>
+          <p:cNvPr id="3" name="Subtitle 2">
+            <a:extLst>
+              <a:ext uri="{FF2B5EF4-FFF2-40B4-BE49-F238E27FC236}">
+                <a16:creationId xmlns:a16="http://schemas.microsoft.com/office/drawing/2014/main" id="{5AFC69CE-4E4B-61C7-341A-32190A6FDB84}"/>
+              </a:ext>
+            </a:extLst>
+          </p:cNvPr>
+          <p:cNvSpPr>
+            <a:spLocks noGrp="1"/>
+          </p:cNvSpPr>
+          <p:nvPr>
+            <p:ph type="subTitle" idx="1"/>
+          </p:nvPr>
+        </p:nvSpPr>
+        <p:spPr/>
+        <p:txBody>
+          <a:bodyPr/>
+          <a:lstStyle/>
+          <a:p>
+            <a:endParaRPr lang="en-US"/>
+          </a:p>
+        </p:txBody>
+      </p:sp>
+    </p:spTree>
+    <p:extLst>
+      <p:ext uri="{BB962C8B-B14F-4D97-AF65-F5344CB8AC3E}">
+        <p14:creationId xmlns:p14="http://schemas.microsoft.com/office/powerpoint/2010/main" val="3910461436"/>
+      </p:ext>
+    </p:extLst>
+  </p:cSld>
+  <p:clrMapOvr>
+    <a:masterClrMapping/>
+  </p:clrMapOvr>
+</p:sld>
+</file>
+
+<file path=ppt/slides/slide11.xml><?xml version="1.0" encoding="utf-8"?>
 <p:sld xmlns:a="http://schemas.openxmlformats.org/drawingml/2006/main" xmlns:r="http://schemas.openxmlformats.org/officeDocument/2006/relationships" xmlns:p="http://schemas.openxmlformats.org/presentationml/2006/main">
   <p:cSld>
     <p:spTree>
